--- a/images/UnityGUIDropdown_Images.pptx
+++ b/images/UnityGUIDropdown_Images.pptx
@@ -104,6 +104,11 @@
       </a:defRPr>
     </a:lvl9pPr>
   </p:defaultTextStyle>
+  <p:extLst>
+    <p:ext uri="{EFAFB233-063F-42B5-8137-9DF3F51BA10A}">
+      <p15:sldGuideLst xmlns:p15="http://schemas.microsoft.com/office/powerpoint/2012/main"/>
+    </p:ext>
+  </p:extLst>
 </p:presentation>
 </file>
 
@@ -6486,7 +6491,7 @@
               <a:prstGeom prst="line">
                 <a:avLst/>
               </a:prstGeom>
-              <a:ln w="38100">
+              <a:ln w="76200">
                 <a:solidFill>
                   <a:schemeClr val="tx1"/>
                 </a:solidFill>
@@ -6529,7 +6534,7 @@
               <a:prstGeom prst="line">
                 <a:avLst/>
               </a:prstGeom>
-              <a:ln w="38100">
+              <a:ln w="76200">
                 <a:solidFill>
                   <a:schemeClr val="tx1"/>
                 </a:solidFill>
